--- a/game survey0409.pptx
+++ b/game survey0409.pptx
@@ -5,13 +5,12 @@
     <p:sldMasterId id="2147483648" r:id="rId4"/>
   </p:sldMasterIdLst>
   <p:notesMasterIdLst>
-    <p:notesMasterId r:id="rId9"/>
+    <p:notesMasterId r:id="rId8"/>
   </p:notesMasterIdLst>
   <p:sldIdLst>
     <p:sldId id="256" r:id="rId5"/>
-    <p:sldId id="366" r:id="rId6"/>
-    <p:sldId id="351" r:id="rId7"/>
-    <p:sldId id="334" r:id="rId8"/>
+    <p:sldId id="259" r:id="rId6"/>
+    <p:sldId id="334" r:id="rId7"/>
   </p:sldIdLst>
   <p:sldSz cx="16256000" cy="9956800"/>
   <p:notesSz cx="6858000" cy="9144000"/>
@@ -528,97 +527,6 @@
 </p:notesMaster>
 </file>
 
-<file path=ppt/notesSlides/notesSlide1.xml><?xml version="1.0" encoding="utf-8"?>
-<p:notes xmlns:a="http://schemas.openxmlformats.org/drawingml/2006/main" xmlns:r="http://schemas.openxmlformats.org/officeDocument/2006/relationships" xmlns:p="http://schemas.openxmlformats.org/presentationml/2006/main">
-  <p:cSld>
-    <p:spTree>
-      <p:nvGrpSpPr>
-        <p:cNvPr id="1" name=""/>
-        <p:cNvGrpSpPr/>
-        <p:nvPr/>
-      </p:nvGrpSpPr>
-      <p:grpSpPr>
-        <a:xfrm>
-          <a:off x="0" y="0"/>
-          <a:ext cx="0" cy="0"/>
-          <a:chOff x="0" y="0"/>
-          <a:chExt cx="0" cy="0"/>
-        </a:xfrm>
-      </p:grpSpPr>
-      <p:sp>
-        <p:nvSpPr>
-          <p:cNvPr id="2" name="投影片影像版面配置區 1"/>
-          <p:cNvSpPr>
-            <a:spLocks noGrp="1" noRot="1" noChangeAspect="1"/>
-          </p:cNvSpPr>
-          <p:nvPr>
-            <p:ph type="sldImg"/>
-          </p:nvPr>
-        </p:nvSpPr>
-        <p:spPr>
-          <a:xfrm>
-            <a:off x="630238" y="685800"/>
-            <a:ext cx="5597525" cy="3429000"/>
-          </a:xfrm>
-        </p:spPr>
-      </p:sp>
-      <p:sp>
-        <p:nvSpPr>
-          <p:cNvPr id="3" name="備忘稿版面配置區 2"/>
-          <p:cNvSpPr>
-            <a:spLocks noGrp="1"/>
-          </p:cNvSpPr>
-          <p:nvPr>
-            <p:ph type="body" idx="1"/>
-          </p:nvPr>
-        </p:nvSpPr>
-        <p:spPr/>
-        <p:txBody>
-          <a:bodyPr/>
-          <a:lstStyle/>
-          <a:p>
-            <a:r>
-              <a:rPr lang="zh-TW" altLang="en-US" dirty="0"/>
-              <a:t>充滿神秘色彩的俄羅斯 </a:t>
-            </a:r>
-            <a:r>
-              <a:rPr lang="en-US" altLang="zh-TW" dirty="0"/>
-              <a:t>:</a:t>
-            </a:r>
-            <a:r>
-              <a:rPr lang="zh-TW" altLang="en-US" dirty="0"/>
-              <a:t> </a:t>
-            </a:r>
-            <a:endParaRPr lang="en-US" altLang="zh-TW" dirty="0"/>
-          </a:p>
-          <a:p>
-            <a:r>
-              <a:rPr lang="zh-TW" altLang="en-US" sz="2200" b="0" i="0" dirty="0">
-                <a:effectLst/>
-                <a:latin typeface="Helvetica Neue"/>
-                <a:ea typeface="Helvetica Neue"/>
-                <a:cs typeface="Helvetica Neue"/>
-                <a:sym typeface="Helvetica Neue"/>
-              </a:rPr>
-              <a:t>東正教：洋蔥型的教堂便是東正教的代表</a:t>
-            </a:r>
-            <a:endParaRPr lang="zh-TW" altLang="en-US" dirty="0"/>
-          </a:p>
-        </p:txBody>
-      </p:sp>
-    </p:spTree>
-    <p:extLst>
-      <p:ext uri="{BB962C8B-B14F-4D97-AF65-F5344CB8AC3E}">
-        <p14:creationId xmlns:p14="http://schemas.microsoft.com/office/powerpoint/2010/main" val="960555630"/>
-      </p:ext>
-    </p:extLst>
-  </p:cSld>
-  <p:clrMapOvr>
-    <a:masterClrMapping/>
-  </p:clrMapOvr>
-</p:notes>
-</file>
-
 <file path=ppt/slideLayouts/slideLayout1.xml><?xml version="1.0" encoding="utf-8"?>
 <p:sldLayout xmlns:a="http://schemas.openxmlformats.org/drawingml/2006/main" xmlns:r="http://schemas.openxmlformats.org/officeDocument/2006/relationships" xmlns:p="http://schemas.openxmlformats.org/presentationml/2006/main" type="title">
   <p:cSld name="大標題與副標題">
@@ -1671,7 +1579,7 @@
           </a:ln>
           <a:extLst>
             <a:ext uri="{C572A759-6A51-4108-AA02-DFA0A04FC94B}">
-              <ma14:wrappingTextBoxFlag xmlns="" xmlns:ma14="http://schemas.microsoft.com/office/mac/drawingml/2011/main" val="1"/>
+              <ma14:wrappingTextBoxFlag xmlns:ma14="http://schemas.microsoft.com/office/mac/drawingml/2011/main" xmlns="" val="1"/>
             </a:ext>
           </a:extLst>
         </p:spPr>
@@ -1734,7 +1642,7 @@
           </a:ln>
           <a:extLst>
             <a:ext uri="{C572A759-6A51-4108-AA02-DFA0A04FC94B}">
-              <ma14:wrappingTextBoxFlag xmlns="" xmlns:ma14="http://schemas.microsoft.com/office/mac/drawingml/2011/main" val="1"/>
+              <ma14:wrappingTextBoxFlag xmlns:ma14="http://schemas.microsoft.com/office/mac/drawingml/2011/main" xmlns="" val="1"/>
             </a:ext>
           </a:extLst>
         </p:spPr>
@@ -2719,7 +2627,7 @@
           </a:ln>
           <a:extLst>
             <a:ext uri="{C572A759-6A51-4108-AA02-DFA0A04FC94B}">
-              <ma14:wrappingTextBoxFlag xmlns="" xmlns:ma14="http://schemas.microsoft.com/office/mac/drawingml/2011/main" val="1"/>
+              <ma14:wrappingTextBoxFlag xmlns:ma14="http://schemas.microsoft.com/office/mac/drawingml/2011/main" xmlns="" val="1"/>
             </a:ext>
           </a:extLst>
         </p:spPr>
@@ -2785,15 +2693,15 @@
           <p:nvPr/>
         </p:nvPicPr>
         <p:blipFill>
-          <a:blip r:embed="rId3"/>
+          <a:blip r:embed="rId2"/>
           <a:stretch>
             <a:fillRect/>
           </a:stretch>
         </p:blipFill>
         <p:spPr>
           <a:xfrm>
-            <a:off x="539083" y="600613"/>
-            <a:ext cx="298784" cy="497972"/>
+            <a:off x="1158588" y="957984"/>
+            <a:ext cx="274393" cy="457321"/>
           </a:xfrm>
           <a:prstGeom prst="rect">
             <a:avLst/>
@@ -2811,8 +2719,8 @@
         </p:nvSpPr>
         <p:spPr>
           <a:xfrm>
-            <a:off x="1177925" y="376524"/>
-            <a:ext cx="6841178" cy="1250342"/>
+            <a:off x="1845285" y="803326"/>
+            <a:ext cx="6282715" cy="766655"/>
           </a:xfrm>
           <a:prstGeom prst="rect">
             <a:avLst/>
@@ -2822,12 +2730,12 @@
           </a:ln>
           <a:extLst>
             <a:ext uri="{C572A759-6A51-4108-AA02-DFA0A04FC94B}">
-              <ma14:wrappingTextBoxFlag xmlns:ma14="http://schemas.microsoft.com/office/mac/drawingml/2011/main" xmlns="" val="1"/>
+              <ma14:wrappingTextBoxFlag xmlns="" xmlns:ma14="http://schemas.microsoft.com/office/mac/drawingml/2011/main" val="1"/>
             </a:ext>
           </a:extLst>
         </p:spPr>
         <p:txBody>
-          <a:bodyPr lIns="47625" tIns="47625" rIns="47625" bIns="47625">
+          <a:bodyPr lIns="43737" tIns="43737" rIns="43737" bIns="43737">
             <a:spAutoFit/>
           </a:bodyPr>
           <a:lstStyle/>
@@ -2844,24 +2752,9 @@
               </a:defRPr>
             </a:pPr>
             <a:r>
-              <a:rPr lang="zh-TW" altLang="en-US" dirty="0"/>
-              <a:t>主題介紹</a:t>
+              <a:rPr lang="en-US" altLang="zh-TW" sz="4408" dirty="0"/>
+              <a:t>Golden Boot</a:t>
             </a:r>
-            <a:endParaRPr lang="en-US" dirty="0"/>
-          </a:p>
-          <a:p>
-            <a:pPr algn="l">
-              <a:defRPr sz="2700">
-                <a:solidFill>
-                  <a:srgbClr val="1E1E1E"/>
-                </a:solidFill>
-                <a:latin typeface="PingFang TC Light"/>
-                <a:ea typeface="PingFang TC Light"/>
-                <a:cs typeface="PingFang TC Light"/>
-                <a:sym typeface="PingFang TC Light"/>
-              </a:defRPr>
-            </a:pPr>
-            <a:endParaRPr dirty="0"/>
           </a:p>
         </p:txBody>
       </p:sp>
@@ -2873,8 +2766,8 @@
         </p:nvSpPr>
         <p:spPr>
           <a:xfrm>
-            <a:off x="493441" y="9298516"/>
-            <a:ext cx="3113101" cy="323851"/>
+            <a:off x="1116139" y="8958609"/>
+            <a:ext cx="2592219" cy="271905"/>
           </a:xfrm>
           <a:prstGeom prst="rect">
             <a:avLst/>
@@ -2884,12 +2777,12 @@
           </a:ln>
           <a:extLst>
             <a:ext uri="{C572A759-6A51-4108-AA02-DFA0A04FC94B}">
-              <ma14:wrappingTextBoxFlag xmlns:ma14="http://schemas.microsoft.com/office/mac/drawingml/2011/main" xmlns="" val="1"/>
+              <ma14:wrappingTextBoxFlag xmlns="" xmlns:ma14="http://schemas.microsoft.com/office/mac/drawingml/2011/main" val="1"/>
             </a:ext>
           </a:extLst>
         </p:spPr>
         <p:txBody>
-          <a:bodyPr wrap="none" lIns="47625" tIns="47625" rIns="47625" bIns="47625" anchor="ctr">
+          <a:bodyPr wrap="none" lIns="43737" tIns="43737" rIns="43737" bIns="43737" anchor="ctr">
             <a:spAutoFit/>
           </a:bodyPr>
           <a:lstStyle/>
@@ -2902,7 +2795,7 @@
               </a:defRPr>
             </a:pPr>
             <a:r>
-              <a:rPr>
+              <a:rPr sz="1193">
                 <a:latin typeface="PingFang TC Semibold"/>
                 <a:ea typeface="PingFang TC Semibold"/>
                 <a:cs typeface="PingFang TC Semibold"/>
@@ -2911,315 +2804,11 @@
               <a:t>塞席爾商創曼有限公司</a:t>
             </a:r>
             <a:r>
+              <a:rPr sz="1193"/>
               <a:t>  </a:t>
             </a:r>
             <a:r>
-              <a:rPr>
-                <a:latin typeface="Gotham Medium"/>
-                <a:ea typeface="Gotham Medium"/>
-                <a:cs typeface="Gotham Medium"/>
-                <a:sym typeface="Gotham Medium"/>
-              </a:rPr>
-              <a:t>INITEX.CO.LTD</a:t>
-            </a:r>
-          </a:p>
-        </p:txBody>
-      </p:sp>
-      <p:sp>
-        <p:nvSpPr>
-          <p:cNvPr id="2" name="文字方塊 1">
-            <a:extLst>
-              <a:ext uri="{FF2B5EF4-FFF2-40B4-BE49-F238E27FC236}">
-                <a16:creationId xmlns:a16="http://schemas.microsoft.com/office/drawing/2014/main" id="{5C3EAA71-0A9E-44DA-901E-335802228D6B}"/>
-              </a:ext>
-            </a:extLst>
-          </p:cNvPr>
-          <p:cNvSpPr txBox="1"/>
-          <p:nvPr/>
-        </p:nvSpPr>
-        <p:spPr>
-          <a:xfrm>
-            <a:off x="3420110" y="1492411"/>
-            <a:ext cx="10071358" cy="1204176"/>
-          </a:xfrm>
-          <a:prstGeom prst="rect">
-            <a:avLst/>
-          </a:prstGeom>
-          <a:noFill/>
-          <a:ln w="3175" cap="flat">
-            <a:noFill/>
-            <a:miter lim="400000"/>
-          </a:ln>
-          <a:effectLst/>
-          <a:sp3d/>
-        </p:spPr>
-        <p:style>
-          <a:lnRef idx="0">
-            <a:scrgbClr r="0" g="0" b="0"/>
-          </a:lnRef>
-          <a:fillRef idx="0">
-            <a:scrgbClr r="0" g="0" b="0"/>
-          </a:fillRef>
-          <a:effectRef idx="0">
-            <a:scrgbClr r="0" g="0" b="0"/>
-          </a:effectRef>
-          <a:fontRef idx="none"/>
-        </p:style>
-        <p:txBody>
-          <a:bodyPr rot="0" spcFirstLastPara="1" vertOverflow="overflow" horzOverflow="overflow" vert="horz" wrap="square" lIns="47625" tIns="47625" rIns="47625" bIns="47625" numCol="1" spcCol="38100" rtlCol="0" anchor="ctr">
-            <a:spAutoFit/>
-          </a:bodyPr>
-          <a:lstStyle/>
-          <a:p>
-            <a:pPr algn="l"/>
-            <a:r>
-              <a:rPr lang="zh-TW" altLang="en-US" sz="2400" dirty="0">
-                <a:latin typeface=".蘋方-繁"/>
-              </a:rPr>
-              <a:t>蒙上神祕面紗的國度－俄羅斯，世界</a:t>
-            </a:r>
-            <a:r>
-              <a:rPr kumimoji="0" lang="zh-TW" altLang="en-US" sz="2400" b="0" i="0" u="none" strike="noStrike" cap="none" spc="0" normalizeH="0" baseline="0" dirty="0">
-                <a:ln>
-                  <a:noFill/>
-                </a:ln>
-                <a:solidFill>
-                  <a:srgbClr val="000000"/>
-                </a:solidFill>
-                <a:effectLst/>
-                <a:uFillTx/>
-                <a:latin typeface=".蘋方-繁"/>
-                <a:sym typeface="Helvetica Light"/>
-              </a:rPr>
-              <a:t>上土地面積最大的國家，</a:t>
-            </a:r>
-            <a:r>
-              <a:rPr lang="zh-TW" altLang="en-US" sz="2400" dirty="0">
-                <a:latin typeface=".蘋方-繁"/>
-              </a:rPr>
-              <a:t>除了存在著濃厚的歷史與政治樣貌之外，更有充滿異國情調的教堂、別具特色的人事物，一起來</a:t>
-            </a:r>
-            <a:r>
-              <a:rPr lang="zh-TW" altLang="en-US" sz="2400">
-                <a:latin typeface=".蘋方-繁"/>
-              </a:rPr>
-              <a:t>一趟夢幻</a:t>
-            </a:r>
-            <a:r>
-              <a:rPr lang="zh-TW" altLang="en-US" sz="2400" dirty="0">
-                <a:latin typeface=".蘋方-繁"/>
-              </a:rPr>
-              <a:t>之旅吧！</a:t>
-            </a:r>
-          </a:p>
-        </p:txBody>
-      </p:sp>
-      <p:pic>
-        <p:nvPicPr>
-          <p:cNvPr id="1026" name="Picture 2" descr="UNI假期～北國風情俄羅斯8日-俄羅斯直飛、金環小鎮、高速列車單飛">
-            <a:extLst>
-              <a:ext uri="{FF2B5EF4-FFF2-40B4-BE49-F238E27FC236}">
-                <a16:creationId xmlns:a16="http://schemas.microsoft.com/office/drawing/2014/main" id="{BFFDF7AF-B120-4EFC-96E6-76E65E7F2538}"/>
-              </a:ext>
-            </a:extLst>
-          </p:cNvPr>
-          <p:cNvPicPr>
-            <a:picLocks noChangeAspect="1" noChangeArrowheads="1"/>
-          </p:cNvPicPr>
-          <p:nvPr/>
-        </p:nvPicPr>
-        <p:blipFill>
-          <a:blip r:embed="rId4">
-            <a:extLst>
-              <a:ext uri="{28A0092B-C50C-407E-A947-70E740481C1C}">
-                <a14:useLocalDpi xmlns:a14="http://schemas.microsoft.com/office/drawing/2010/main" val="0"/>
-              </a:ext>
-            </a:extLst>
-          </a:blip>
-          <a:srcRect/>
-          <a:stretch>
-            <a:fillRect/>
-          </a:stretch>
-        </p:blipFill>
-        <p:spPr bwMode="auto">
-          <a:xfrm>
-            <a:off x="3767778" y="2912109"/>
-            <a:ext cx="8502650" cy="5428615"/>
-          </a:xfrm>
-          <a:prstGeom prst="rect">
-            <a:avLst/>
-          </a:prstGeom>
-          <a:noFill/>
-          <a:extLst>
-            <a:ext uri="{909E8E84-426E-40DD-AFC4-6F175D3DCCD1}">
-              <a14:hiddenFill xmlns:a14="http://schemas.microsoft.com/office/drawing/2010/main">
-                <a:solidFill>
-                  <a:srgbClr val="FFFFFF"/>
-                </a:solidFill>
-              </a14:hiddenFill>
-            </a:ext>
-          </a:extLst>
-        </p:spPr>
-      </p:pic>
-    </p:spTree>
-  </p:cSld>
-  <p:clrMapOvr>
-    <a:masterClrMapping/>
-  </p:clrMapOvr>
-  <p:transition spd="med"/>
-</p:sld>
-</file>
-
-<file path=ppt/slides/slide3.xml><?xml version="1.0" encoding="utf-8"?>
-<p:sld xmlns:a="http://schemas.openxmlformats.org/drawingml/2006/main" xmlns:r="http://schemas.openxmlformats.org/officeDocument/2006/relationships" xmlns:p="http://schemas.openxmlformats.org/presentationml/2006/main">
-  <p:cSld>
-    <p:spTree>
-      <p:nvGrpSpPr>
-        <p:cNvPr id="1" name=""/>
-        <p:cNvGrpSpPr/>
-        <p:nvPr/>
-      </p:nvGrpSpPr>
-      <p:grpSpPr>
-        <a:xfrm>
-          <a:off x="0" y="0"/>
-          <a:ext cx="0" cy="0"/>
-          <a:chOff x="0" y="0"/>
-          <a:chExt cx="0" cy="0"/>
-        </a:xfrm>
-      </p:grpSpPr>
-      <p:pic>
-        <p:nvPicPr>
-          <p:cNvPr id="131" name="影像" descr="影像"/>
-          <p:cNvPicPr>
-            <a:picLocks noChangeAspect="1"/>
-          </p:cNvPicPr>
-          <p:nvPr/>
-        </p:nvPicPr>
-        <p:blipFill>
-          <a:blip r:embed="rId2"/>
-          <a:stretch>
-            <a:fillRect/>
-          </a:stretch>
-        </p:blipFill>
-        <p:spPr>
-          <a:xfrm>
-            <a:off x="539083" y="600613"/>
-            <a:ext cx="298784" cy="497972"/>
-          </a:xfrm>
-          <a:prstGeom prst="rect">
-            <a:avLst/>
-          </a:prstGeom>
-          <a:ln w="3175">
-            <a:miter lim="400000"/>
-          </a:ln>
-        </p:spPr>
-      </p:pic>
-      <p:sp>
-        <p:nvSpPr>
-          <p:cNvPr id="132" name="發展軌跡…"/>
-          <p:cNvSpPr txBox="1"/>
-          <p:nvPr/>
-        </p:nvSpPr>
-        <p:spPr>
-          <a:xfrm>
-            <a:off x="1177925" y="376524"/>
-            <a:ext cx="6841178" cy="834844"/>
-          </a:xfrm>
-          <a:prstGeom prst="rect">
-            <a:avLst/>
-          </a:prstGeom>
-          <a:ln w="3175">
-            <a:miter lim="400000"/>
-          </a:ln>
-          <a:extLst>
-            <a:ext uri="{C572A759-6A51-4108-AA02-DFA0A04FC94B}">
-              <ma14:wrappingTextBoxFlag xmlns:ma14="http://schemas.microsoft.com/office/mac/drawingml/2011/main" xmlns="" val="1"/>
-            </a:ext>
-          </a:extLst>
-        </p:spPr>
-        <p:txBody>
-          <a:bodyPr lIns="47625" tIns="47625" rIns="47625" bIns="47625">
-            <a:spAutoFit/>
-          </a:bodyPr>
-          <a:lstStyle/>
-          <a:p>
-            <a:pPr algn="l">
-              <a:defRPr sz="4800">
-                <a:solidFill>
-                  <a:srgbClr val="1E1E1E"/>
-                </a:solidFill>
-                <a:latin typeface="PingFang TC Semibold"/>
-                <a:ea typeface="PingFang TC Semibold"/>
-                <a:cs typeface="PingFang TC Semibold"/>
-                <a:sym typeface="PingFang TC Semibold"/>
-              </a:defRPr>
-            </a:pPr>
-            <a:r>
-              <a:rPr lang="zh-TW" altLang="en-US" dirty="0"/>
-              <a:t>龍王寶藏</a:t>
-            </a:r>
-            <a:r>
-              <a:rPr lang="en-US" altLang="zh-TW" dirty="0"/>
-              <a:t>-</a:t>
-            </a:r>
-            <a:r>
-              <a:rPr lang="zh-TW" altLang="en-US" dirty="0"/>
-              <a:t>主題介紹</a:t>
-            </a:r>
-            <a:endParaRPr dirty="0"/>
-          </a:p>
-        </p:txBody>
-      </p:sp>
-      <p:sp>
-        <p:nvSpPr>
-          <p:cNvPr id="133" name="塞席爾商創曼有限公司  INITEX.CO.LTD"/>
-          <p:cNvSpPr txBox="1"/>
-          <p:nvPr/>
-        </p:nvSpPr>
-        <p:spPr>
-          <a:xfrm>
-            <a:off x="493441" y="9298516"/>
-            <a:ext cx="3113101" cy="323851"/>
-          </a:xfrm>
-          <a:prstGeom prst="rect">
-            <a:avLst/>
-          </a:prstGeom>
-          <a:ln w="3175">
-            <a:miter lim="400000"/>
-          </a:ln>
-          <a:extLst>
-            <a:ext uri="{C572A759-6A51-4108-AA02-DFA0A04FC94B}">
-              <ma14:wrappingTextBoxFlag xmlns:ma14="http://schemas.microsoft.com/office/mac/drawingml/2011/main" xmlns="" val="1"/>
-            </a:ext>
-          </a:extLst>
-        </p:spPr>
-        <p:txBody>
-          <a:bodyPr wrap="none" lIns="47625" tIns="47625" rIns="47625" bIns="47625" anchor="ctr">
-            <a:spAutoFit/>
-          </a:bodyPr>
-          <a:lstStyle/>
-          <a:p>
-            <a:pPr>
-              <a:defRPr sz="1300">
-                <a:solidFill>
-                  <a:srgbClr val="00B2BF"/>
-                </a:solidFill>
-              </a:defRPr>
-            </a:pPr>
-            <a:r>
-              <a:rPr>
-                <a:latin typeface="PingFang TC Semibold"/>
-                <a:ea typeface="PingFang TC Semibold"/>
-                <a:cs typeface="PingFang TC Semibold"/>
-                <a:sym typeface="PingFang TC Semibold"/>
-              </a:rPr>
-              <a:t>塞席爾商創曼有限公司</a:t>
-            </a:r>
-            <a:r>
-              <a:t>  </a:t>
-            </a:r>
-            <a:r>
-              <a:rPr>
+              <a:rPr sz="1193">
                 <a:latin typeface="Gotham Medium"/>
                 <a:ea typeface="Gotham Medium"/>
                 <a:cs typeface="Gotham Medium"/>
@@ -3238,8 +2827,8 @@
         </p:nvSpPr>
         <p:spPr>
           <a:xfrm>
-            <a:off x="14991832" y="9248453"/>
-            <a:ext cx="775854" cy="373179"/>
+            <a:off x="14432143" y="8899888"/>
+            <a:ext cx="711896" cy="342693"/>
           </a:xfrm>
           <a:prstGeom prst="rect">
             <a:avLst/>
@@ -3249,12 +2838,12 @@
           </a:ln>
           <a:extLst>
             <a:ext uri="{C572A759-6A51-4108-AA02-DFA0A04FC94B}">
-              <ma14:wrappingTextBoxFlag xmlns:ma14="http://schemas.microsoft.com/office/mac/drawingml/2011/main" xmlns="" val="1"/>
+              <ma14:wrappingTextBoxFlag xmlns="" xmlns:ma14="http://schemas.microsoft.com/office/mac/drawingml/2011/main" val="1"/>
             </a:ext>
           </a:extLst>
         </p:spPr>
         <p:txBody>
-          <a:bodyPr wrap="none" lIns="47625" tIns="47625" rIns="47625" bIns="47625" anchor="ctr">
+          <a:bodyPr wrap="none" lIns="43737" tIns="43737" rIns="43737" bIns="43737" anchor="ctr">
             <a:spAutoFit/>
           </a:bodyPr>
           <a:lstStyle/>
@@ -3267,7 +2856,7 @@
               </a:defRPr>
             </a:pPr>
             <a:r>
-              <a:rPr dirty="0">
+              <a:rPr sz="1653">
                 <a:solidFill>
                   <a:srgbClr val="DADF00"/>
                 </a:solidFill>
@@ -3279,7 +2868,7 @@
               <a:t>0</a:t>
             </a:r>
             <a:r>
-              <a:rPr lang="en-US" altLang="zh-TW" dirty="0">
+              <a:rPr lang="en-US" altLang="zh-TW" sz="1653">
                 <a:solidFill>
                   <a:srgbClr val="DADF00"/>
                 </a:solidFill>
@@ -3288,10 +2877,10 @@
                 <a:cs typeface="Gotham Medium"/>
                 <a:sym typeface="Gotham Medium"/>
               </a:rPr>
-              <a:t>4</a:t>
+              <a:t>1</a:t>
             </a:r>
             <a:r>
-              <a:rPr dirty="0">
+              <a:rPr sz="1653">
                 <a:latin typeface="Gotham Medium"/>
                 <a:ea typeface="Gotham Medium"/>
                 <a:cs typeface="Gotham Medium"/>
@@ -3300,15 +2889,15 @@
               <a:t> | </a:t>
             </a:r>
             <a:r>
-              <a:rPr lang="en-US" altLang="zh-TW" dirty="0">
+              <a:rPr lang="en-US" altLang="zh-TW" sz="1653">
                 <a:latin typeface="Gotham Medium"/>
                 <a:ea typeface="Gotham Medium"/>
                 <a:cs typeface="Gotham Medium"/>
                 <a:sym typeface="Gotham Medium"/>
               </a:rPr>
-              <a:t>24</a:t>
+              <a:t>08</a:t>
             </a:r>
-            <a:endParaRPr dirty="0">
+            <a:endParaRPr sz="1653">
               <a:latin typeface="Gotham Medium"/>
               <a:ea typeface="Gotham Medium"/>
               <a:cs typeface="Gotham Medium"/>
@@ -3319,10 +2908,10 @@
       </p:sp>
       <p:sp>
         <p:nvSpPr>
-          <p:cNvPr id="2" name="文字方塊 1">
+          <p:cNvPr id="10" name="文字方塊 9">
             <a:extLst>
               <a:ext uri="{FF2B5EF4-FFF2-40B4-BE49-F238E27FC236}">
-                <a16:creationId xmlns:a16="http://schemas.microsoft.com/office/drawing/2014/main" id="{F7EBED21-4516-4D90-BA6E-6D7D07CF29BF}"/>
+                <a16:creationId xmlns:a16="http://schemas.microsoft.com/office/drawing/2014/main" id="{9E039301-EF55-4C58-9AA9-F9FEDC50E647}"/>
               </a:ext>
             </a:extLst>
           </p:cNvPr>
@@ -3331,77 +2920,162 @@
         </p:nvSpPr>
         <p:spPr>
           <a:xfrm>
-            <a:off x="1739900" y="1905000"/>
-            <a:ext cx="13094589" cy="6807200"/>
+            <a:off x="1432981" y="1849594"/>
+            <a:ext cx="11575548" cy="2062103"/>
           </a:xfrm>
           <a:prstGeom prst="rect">
             <a:avLst/>
           </a:prstGeom>
           <a:noFill/>
-          <a:ln w="3175" cap="flat">
-            <a:noFill/>
-            <a:miter lim="400000"/>
-          </a:ln>
-          <a:effectLst/>
-          <a:sp3d/>
         </p:spPr>
-        <p:style>
-          <a:lnRef idx="0">
-            <a:scrgbClr r="0" g="0" b="0"/>
-          </a:lnRef>
-          <a:fillRef idx="0">
-            <a:scrgbClr r="0" g="0" b="0"/>
-          </a:fillRef>
-          <a:effectRef idx="0">
-            <a:scrgbClr r="0" g="0" b="0"/>
-          </a:effectRef>
-          <a:fontRef idx="none"/>
-        </p:style>
         <p:txBody>
-          <a:bodyPr rot="0" spcFirstLastPara="1" vertOverflow="overflow" horzOverflow="overflow" vert="horz" wrap="square" lIns="47625" tIns="47625" rIns="47625" bIns="47625" numCol="1" spcCol="38100" rtlCol="0" anchor="ctr">
+          <a:bodyPr wrap="square">
             <a:spAutoFit/>
           </a:bodyPr>
           <a:lstStyle/>
           <a:p>
-            <a:pPr marL="0" marR="0" indent="0" algn="ctr" defTabSz="596370" rtl="0" fontAlgn="auto" latinLnBrk="0" hangingPunct="0">
-              <a:lnSpc>
-                <a:spcPct val="100000"/>
-              </a:lnSpc>
-              <a:spcBef>
-                <a:spcPts val="0"/>
-              </a:spcBef>
-              <a:spcAft>
-                <a:spcPts val="0"/>
-              </a:spcAft>
-              <a:buClrTx/>
-              <a:buSzTx/>
-              <a:buFontTx/>
-              <a:buNone/>
-              <a:tabLst/>
+            <a:pPr marL="457189" indent="-457189" algn="l">
+              <a:buFont typeface="Arial" panose="020B0604020202020204" pitchFamily="34" charset="0"/>
+              <a:buChar char="•"/>
             </a:pPr>
-            <a:endParaRPr kumimoji="0" lang="zh-TW" altLang="en-US" sz="3600" b="0" i="0" u="none" strike="noStrike" cap="none" spc="0" normalizeH="0" baseline="0" dirty="0">
-              <a:ln>
-                <a:noFill/>
-              </a:ln>
+            <a:r>
+              <a:rPr lang="zh-TW" altLang="en-US" sz="2400" b="1" dirty="0">
+                <a:solidFill>
+                  <a:srgbClr val="5ACDD6"/>
+                </a:solidFill>
+                <a:latin typeface="微軟正黑體" panose="020B0604030504040204" pitchFamily="34" charset="-120"/>
+                <a:ea typeface="微軟正黑體" panose="020B0604030504040204" pitchFamily="34" charset="-120"/>
+              </a:rPr>
+              <a:t>遊戲主題 </a:t>
+            </a:r>
+            <a:r>
+              <a:rPr lang="en-US" altLang="zh-TW" sz="2400" b="1" dirty="0">
+                <a:solidFill>
+                  <a:srgbClr val="5ACDD6"/>
+                </a:solidFill>
+                <a:latin typeface="微軟正黑體" panose="020B0604030504040204" pitchFamily="34" charset="-120"/>
+                <a:ea typeface="微軟正黑體" panose="020B0604030504040204" pitchFamily="34" charset="-120"/>
+              </a:rPr>
+              <a:t>:</a:t>
+            </a:r>
+            <a:r>
+              <a:rPr lang="zh-TW" altLang="en-US" sz="2400" b="1" dirty="0">
+                <a:solidFill>
+                  <a:srgbClr val="5ACDD6"/>
+                </a:solidFill>
+                <a:latin typeface="微軟正黑體" panose="020B0604030504040204" pitchFamily="34" charset="-120"/>
+                <a:ea typeface="微軟正黑體" panose="020B0604030504040204" pitchFamily="34" charset="-120"/>
+              </a:rPr>
+              <a:t> 足球</a:t>
+            </a:r>
+            <a:endParaRPr lang="en-US" altLang="zh-TW" sz="2400" b="1" dirty="0">
               <a:solidFill>
-                <a:srgbClr val="000000"/>
+                <a:srgbClr val="5ACDD6"/>
               </a:solidFill>
-              <a:effectLst/>
-              <a:uFillTx/>
-              <a:latin typeface="+mn-lt"/>
-              <a:ea typeface="+mn-ea"/>
-              <a:cs typeface="+mn-cs"/>
-              <a:sym typeface="Helvetica Light"/>
+              <a:latin typeface="微軟正黑體" panose="020B0604030504040204" pitchFamily="34" charset="-120"/>
+              <a:ea typeface="微軟正黑體" panose="020B0604030504040204" pitchFamily="34" charset="-120"/>
             </a:endParaRPr>
+          </a:p>
+          <a:p>
+            <a:pPr marL="457189" indent="-457189" algn="l">
+              <a:buFont typeface="Arial" panose="020B0604020202020204" pitchFamily="34" charset="0"/>
+              <a:buChar char="•"/>
+            </a:pPr>
+            <a:r>
+              <a:rPr lang="zh-TW" altLang="en-US" sz="2400" b="1" dirty="0">
+                <a:solidFill>
+                  <a:srgbClr val="5ACDD6"/>
+                </a:solidFill>
+                <a:latin typeface="微軟正黑體" panose="020B0604030504040204" pitchFamily="34" charset="-120"/>
+                <a:ea typeface="微軟正黑體" panose="020B0604030504040204" pitchFamily="34" charset="-120"/>
+              </a:rPr>
+              <a:t>遊戲玩法 </a:t>
+            </a:r>
+            <a:r>
+              <a:rPr lang="en-US" altLang="zh-TW" sz="2400" b="1" dirty="0">
+                <a:solidFill>
+                  <a:srgbClr val="5ACDD6"/>
+                </a:solidFill>
+                <a:latin typeface="微軟正黑體" panose="020B0604030504040204" pitchFamily="34" charset="-120"/>
+                <a:ea typeface="微軟正黑體" panose="020B0604030504040204" pitchFamily="34" charset="-120"/>
+              </a:rPr>
+              <a:t>:</a:t>
+            </a:r>
+            <a:r>
+              <a:rPr lang="zh-TW" altLang="en-US" sz="2400" b="1" dirty="0">
+                <a:solidFill>
+                  <a:srgbClr val="5ACDD6"/>
+                </a:solidFill>
+                <a:latin typeface="微軟正黑體" panose="020B0604030504040204" pitchFamily="34" charset="-120"/>
+                <a:ea typeface="微軟正黑體" panose="020B0604030504040204" pitchFamily="34" charset="-120"/>
+              </a:rPr>
+              <a:t> </a:t>
+            </a:r>
+            <a:endParaRPr lang="en-US" altLang="zh-TW" sz="2400" b="1" dirty="0">
+              <a:solidFill>
+                <a:srgbClr val="5ACDD6"/>
+              </a:solidFill>
+              <a:latin typeface="微軟正黑體" panose="020B0604030504040204" pitchFamily="34" charset="-120"/>
+              <a:ea typeface="微軟正黑體" panose="020B0604030504040204" pitchFamily="34" charset="-120"/>
+            </a:endParaRPr>
+          </a:p>
+          <a:p>
+            <a:pPr marL="457189" indent="-457189" algn="l">
+              <a:buFont typeface="+mj-lt"/>
+              <a:buAutoNum type="arabicPeriod"/>
+            </a:pPr>
+            <a:r>
+              <a:rPr lang="zh-TW" altLang="en-US" sz="2000" dirty="0">
+                <a:ea typeface="微軟正黑體" panose="020B0604030504040204" pitchFamily="34" charset="-120"/>
+              </a:rPr>
+              <a:t>玩家可調整一轉要掉下幾顆球，球會以隨機灑落的方式由上往下掉，進白球可得到</a:t>
+            </a:r>
+            <a:r>
+              <a:rPr lang="en-US" altLang="zh-TW" sz="2000" dirty="0">
+                <a:ea typeface="微軟正黑體" panose="020B0604030504040204" pitchFamily="34" charset="-120"/>
+              </a:rPr>
+              <a:t>1X~3X;</a:t>
+            </a:r>
+            <a:r>
+              <a:rPr lang="zh-TW" altLang="en-US" sz="2000" dirty="0">
+                <a:ea typeface="微軟正黑體" panose="020B0604030504040204" pitchFamily="34" charset="-120"/>
+              </a:rPr>
+              <a:t>進金球可得到</a:t>
+            </a:r>
+            <a:r>
+              <a:rPr lang="en-US" altLang="zh-TW" sz="2000" dirty="0">
+                <a:ea typeface="微軟正黑體" panose="020B0604030504040204" pitchFamily="34" charset="-120"/>
+              </a:rPr>
+              <a:t>10X~500X</a:t>
+            </a:r>
+          </a:p>
+          <a:p>
+            <a:pPr marL="457189" indent="-457189" algn="l">
+              <a:buFont typeface="+mj-lt"/>
+              <a:buAutoNum type="arabicPeriod"/>
+            </a:pPr>
+            <a:r>
+              <a:rPr lang="zh-TW" altLang="en-US" sz="2000" dirty="0">
+                <a:ea typeface="微軟正黑體" panose="020B0604030504040204" pitchFamily="34" charset="-120"/>
+              </a:rPr>
+              <a:t>畫面中的障礙物有機會出現球員，玩家可手動操作球員進球，提高得分機率</a:t>
+            </a:r>
+            <a:endParaRPr lang="en-US" altLang="zh-TW" sz="2000" dirty="0">
+              <a:ea typeface="微軟正黑體" panose="020B0604030504040204" pitchFamily="34" charset="-120"/>
+            </a:endParaRPr>
+          </a:p>
+          <a:p>
+            <a:pPr algn="l"/>
+            <a:endParaRPr lang="en-US" altLang="zh-TW" sz="2000" dirty="0"/>
           </a:p>
         </p:txBody>
       </p:sp>
       <p:sp>
         <p:nvSpPr>
-          <p:cNvPr id="3" name="文字方塊 2">
+          <p:cNvPr id="26" name="文字方塊 25">
             <a:extLst>
               <a:ext uri="{FF2B5EF4-FFF2-40B4-BE49-F238E27FC236}">
-                <a16:creationId xmlns:a16="http://schemas.microsoft.com/office/drawing/2014/main" id="{FCB40578-AC4B-41B0-A309-C2429CD65FC8}"/>
+                <a16:creationId xmlns:a16="http://schemas.microsoft.com/office/drawing/2014/main" id="{546391C8-BC39-49ED-B1F2-2866C2917941}"/>
               </a:ext>
             </a:extLst>
           </p:cNvPr>
@@ -3410,311 +3084,51 @@
         </p:nvSpPr>
         <p:spPr>
           <a:xfrm>
-            <a:off x="1112911" y="3267860"/>
-            <a:ext cx="12636500" cy="3974165"/>
+            <a:off x="11462128" y="1077518"/>
+            <a:ext cx="3092800" cy="461665"/>
           </a:xfrm>
           <a:prstGeom prst="rect">
             <a:avLst/>
           </a:prstGeom>
           <a:noFill/>
-          <a:ln w="3175" cap="flat">
-            <a:noFill/>
-            <a:miter lim="400000"/>
-          </a:ln>
-          <a:effectLst/>
-          <a:sp3d/>
         </p:spPr>
-        <p:style>
-          <a:lnRef idx="0">
-            <a:scrgbClr r="0" g="0" b="0"/>
-          </a:lnRef>
-          <a:fillRef idx="0">
-            <a:scrgbClr r="0" g="0" b="0"/>
-          </a:fillRef>
-          <a:effectRef idx="0">
-            <a:scrgbClr r="0" g="0" b="0"/>
-          </a:effectRef>
-          <a:fontRef idx="none"/>
-        </p:style>
         <p:txBody>
-          <a:bodyPr rot="0" spcFirstLastPara="1" vertOverflow="overflow" horzOverflow="overflow" vert="horz" wrap="square" lIns="47625" tIns="47625" rIns="47625" bIns="47625" numCol="1" spcCol="38100" rtlCol="0" anchor="ctr">
+          <a:bodyPr wrap="square">
             <a:spAutoFit/>
           </a:bodyPr>
           <a:lstStyle/>
           <a:p>
-            <a:pPr marL="0" marR="0" indent="0" algn="l" defTabSz="596370" rtl="0" fontAlgn="auto" latinLnBrk="0" hangingPunct="0">
-              <a:lnSpc>
-                <a:spcPct val="100000"/>
-              </a:lnSpc>
-              <a:spcBef>
-                <a:spcPts val="0"/>
-              </a:spcBef>
-              <a:spcAft>
-                <a:spcPts val="0"/>
-              </a:spcAft>
-              <a:buClrTx/>
-              <a:buSzTx/>
-              <a:buFontTx/>
-              <a:buNone/>
-              <a:tabLst/>
-            </a:pPr>
             <a:r>
-              <a:rPr kumimoji="0" lang="zh-TW" altLang="en-US" sz="3000" b="0" i="0" u="none" strike="noStrike" cap="none" spc="0" normalizeH="0" baseline="0" dirty="0">
-                <a:ln>
-                  <a:noFill/>
-                </a:ln>
-                <a:solidFill>
-                  <a:srgbClr val="000000"/>
-                </a:solidFill>
-                <a:effectLst/>
-                <a:uFillTx/>
-                <a:latin typeface="+mn-lt"/>
-                <a:ea typeface="+mn-ea"/>
-                <a:cs typeface="+mn-cs"/>
-                <a:sym typeface="Helvetica Light"/>
+              <a:rPr lang="zh-TW" altLang="en-US" sz="2000" dirty="0">
+                <a:latin typeface="微軟正黑體" panose="020B0604030504040204" pitchFamily="34" charset="-120"/>
+                <a:ea typeface="微軟正黑體" panose="020B0604030504040204" pitchFamily="34" charset="-120"/>
               </a:rPr>
-              <a:t>以中國故事深海龍宮與傳說海底聖獸為主題發想，</a:t>
-            </a:r>
-            <a:endParaRPr kumimoji="0" lang="en-US" altLang="zh-TW" sz="3000" b="0" i="0" u="none" strike="noStrike" cap="none" spc="0" normalizeH="0" baseline="0" dirty="0">
-              <a:ln>
-                <a:noFill/>
-              </a:ln>
-              <a:solidFill>
-                <a:srgbClr val="000000"/>
-              </a:solidFill>
-              <a:effectLst/>
-              <a:uFillTx/>
-              <a:latin typeface="+mn-lt"/>
-              <a:ea typeface="+mn-ea"/>
-              <a:cs typeface="+mn-cs"/>
-              <a:sym typeface="Helvetica Light"/>
-            </a:endParaRPr>
-          </a:p>
-          <a:p>
-            <a:pPr marL="0" marR="0" indent="0" algn="l" defTabSz="596370" rtl="0" fontAlgn="auto" latinLnBrk="0" hangingPunct="0">
-              <a:lnSpc>
-                <a:spcPct val="100000"/>
-              </a:lnSpc>
-              <a:spcBef>
-                <a:spcPts val="0"/>
-              </a:spcBef>
-              <a:spcAft>
-                <a:spcPts val="0"/>
-              </a:spcAft>
-              <a:buClrTx/>
-              <a:buSzTx/>
-              <a:buFontTx/>
-              <a:buNone/>
-              <a:tabLst/>
-            </a:pPr>
-            <a:endParaRPr kumimoji="0" lang="en-US" altLang="zh-TW" sz="3000" b="0" i="0" u="none" strike="noStrike" cap="none" spc="0" normalizeH="0" baseline="0" dirty="0">
-              <a:ln>
-                <a:noFill/>
-              </a:ln>
-              <a:solidFill>
-                <a:srgbClr val="000000"/>
-              </a:solidFill>
-              <a:effectLst/>
-              <a:uFillTx/>
-              <a:latin typeface="+mn-lt"/>
-              <a:ea typeface="+mn-ea"/>
-              <a:cs typeface="+mn-cs"/>
-              <a:sym typeface="Helvetica Light"/>
-            </a:endParaRPr>
-          </a:p>
-          <a:p>
-            <a:pPr algn="l"/>
-            <a:r>
-              <a:rPr lang="zh-TW" altLang="en-US" sz="3000" dirty="0"/>
-              <a:t>將傳統漁場搭配創新的連動場景</a:t>
-            </a:r>
-            <a:endParaRPr lang="en-US" altLang="zh-TW" sz="3000" dirty="0"/>
-          </a:p>
-          <a:p>
-            <a:pPr algn="l"/>
-            <a:endParaRPr kumimoji="0" lang="en-US" altLang="zh-TW" sz="3000" b="0" i="0" u="none" strike="noStrike" cap="none" spc="0" normalizeH="0" baseline="0" dirty="0">
-              <a:ln>
-                <a:noFill/>
-              </a:ln>
-              <a:solidFill>
-                <a:srgbClr val="000000"/>
-              </a:solidFill>
-              <a:effectLst/>
-              <a:uFillTx/>
-              <a:latin typeface="+mn-lt"/>
-              <a:ea typeface="+mn-ea"/>
-              <a:cs typeface="+mn-cs"/>
-              <a:sym typeface="Helvetica Light"/>
-            </a:endParaRPr>
-          </a:p>
-          <a:p>
-            <a:pPr marL="0" marR="0" indent="0" algn="l" defTabSz="596370" rtl="0" fontAlgn="auto" latinLnBrk="0" hangingPunct="0">
-              <a:lnSpc>
-                <a:spcPct val="100000"/>
-              </a:lnSpc>
-              <a:spcBef>
-                <a:spcPts val="0"/>
-              </a:spcBef>
-              <a:spcAft>
-                <a:spcPts val="0"/>
-              </a:spcAft>
-              <a:buClrTx/>
-              <a:buSzTx/>
-              <a:buFontTx/>
-              <a:buNone/>
-              <a:tabLst/>
-            </a:pPr>
-            <a:r>
-              <a:rPr lang="zh-TW" altLang="en-US" sz="3000" dirty="0"/>
-              <a:t>打造遊戲作</a:t>
+              <a:t>好玩度</a:t>
             </a:r>
             <a:r>
-              <a:rPr lang="en-US" altLang="zh-TW" sz="3000" dirty="0"/>
-              <a:t>-</a:t>
-            </a:r>
-          </a:p>
-          <a:p>
-            <a:pPr algn="l"/>
-            <a:r>
-              <a:rPr lang="zh-TW" altLang="en-US" dirty="0"/>
-              <a:t>                         </a:t>
+              <a:rPr lang="en-US" altLang="zh-TW" sz="2000" dirty="0">
+                <a:latin typeface="Calibri" panose="020F0502020204030204" pitchFamily="34" charset="0"/>
+                <a:ea typeface="微軟正黑體" panose="020B0604030504040204" pitchFamily="34" charset="-120"/>
+              </a:rPr>
+              <a:t>:</a:t>
             </a:r>
             <a:r>
-              <a:rPr lang="zh-TW" altLang="en-US" b="1" u="sng" dirty="0">
-                <a:solidFill>
-                  <a:schemeClr val="accent1"/>
-                </a:solidFill>
+              <a:rPr lang="zh-TW" altLang="en-US" sz="2400" dirty="0">
+                <a:latin typeface="Calibri" panose="020F0502020204030204" pitchFamily="34" charset="0"/>
+                <a:ea typeface="微軟正黑體" panose="020B0604030504040204" pitchFamily="34" charset="-120"/>
               </a:rPr>
-              <a:t>龍王寶藏</a:t>
+              <a:t>●●●○○</a:t>
             </a:r>
-            <a:r>
-              <a:rPr kumimoji="0" lang="en-US" altLang="zh-TW" sz="3600" b="1" i="0" u="sng" strike="noStrike" cap="none" spc="0" normalizeH="0" baseline="0" dirty="0">
-                <a:ln>
-                  <a:noFill/>
-                </a:ln>
-                <a:solidFill>
-                  <a:schemeClr val="accent1"/>
-                </a:solidFill>
-                <a:effectLst/>
-                <a:uFillTx/>
-                <a:latin typeface="+mn-lt"/>
-                <a:ea typeface="+mn-ea"/>
-                <a:cs typeface="+mn-cs"/>
-                <a:sym typeface="Helvetica Light"/>
-              </a:rPr>
-              <a:t>(</a:t>
-            </a:r>
-            <a:r>
-              <a:rPr kumimoji="0" lang="zh-TW" altLang="en-US" sz="3600" b="1" i="0" u="sng" strike="noStrike" cap="none" spc="0" normalizeH="0" baseline="0" dirty="0">
-                <a:ln>
-                  <a:noFill/>
-                </a:ln>
-                <a:solidFill>
-                  <a:schemeClr val="accent1"/>
-                </a:solidFill>
-                <a:effectLst/>
-                <a:uFillTx/>
-                <a:latin typeface="+mn-lt"/>
-                <a:ea typeface="+mn-ea"/>
-                <a:cs typeface="+mn-cs"/>
-                <a:sym typeface="Helvetica Light"/>
-              </a:rPr>
-              <a:t>多人</a:t>
-            </a:r>
-            <a:r>
-              <a:rPr kumimoji="0" lang="en-US" altLang="zh-TW" sz="3600" b="1" i="0" u="sng" strike="noStrike" cap="none" spc="0" normalizeH="0" baseline="0" dirty="0">
-                <a:ln>
-                  <a:noFill/>
-                </a:ln>
-                <a:solidFill>
-                  <a:schemeClr val="accent1"/>
-                </a:solidFill>
-                <a:effectLst/>
-                <a:uFillTx/>
-                <a:latin typeface="+mn-lt"/>
-                <a:ea typeface="+mn-ea"/>
-                <a:cs typeface="+mn-cs"/>
-                <a:sym typeface="Helvetica Light"/>
-              </a:rPr>
-              <a:t>)</a:t>
-            </a:r>
-          </a:p>
-          <a:p>
-            <a:pPr marL="0" marR="0" indent="0" algn="l" defTabSz="596370" rtl="0" fontAlgn="auto" latinLnBrk="0" hangingPunct="0">
-              <a:lnSpc>
-                <a:spcPct val="100000"/>
-              </a:lnSpc>
-              <a:spcBef>
-                <a:spcPts val="0"/>
-              </a:spcBef>
-              <a:spcAft>
-                <a:spcPts val="0"/>
-              </a:spcAft>
-              <a:buClrTx/>
-              <a:buSzTx/>
-              <a:buFontTx/>
-              <a:buNone/>
-              <a:tabLst/>
-            </a:pPr>
-            <a:endParaRPr kumimoji="0" lang="en-US" altLang="zh-TW" sz="3600" b="0" i="0" u="none" strike="noStrike" cap="none" spc="0" normalizeH="0" baseline="0" dirty="0">
-              <a:ln>
-                <a:noFill/>
-              </a:ln>
-              <a:solidFill>
-                <a:srgbClr val="000000"/>
-              </a:solidFill>
-              <a:effectLst/>
-              <a:uFillTx/>
-              <a:latin typeface="+mn-lt"/>
-              <a:ea typeface="+mn-ea"/>
-              <a:cs typeface="+mn-cs"/>
-              <a:sym typeface="Helvetica Light"/>
-            </a:endParaRPr>
-          </a:p>
-          <a:p>
-            <a:pPr marL="0" marR="0" indent="0" algn="l" defTabSz="596370" rtl="0" fontAlgn="auto" latinLnBrk="0" hangingPunct="0">
-              <a:lnSpc>
-                <a:spcPct val="100000"/>
-              </a:lnSpc>
-              <a:spcBef>
-                <a:spcPts val="0"/>
-              </a:spcBef>
-              <a:spcAft>
-                <a:spcPts val="0"/>
-              </a:spcAft>
-              <a:buClrTx/>
-              <a:buSzTx/>
-              <a:buFontTx/>
-              <a:buNone/>
-              <a:tabLst/>
-            </a:pPr>
-            <a:r>
-              <a:rPr lang="zh-TW" altLang="en-US" sz="3000" dirty="0"/>
-              <a:t>風格與主題包裝設定作一致性</a:t>
-            </a:r>
-            <a:endParaRPr kumimoji="0" lang="zh-TW" altLang="en-US" sz="3000" b="0" i="0" u="none" strike="noStrike" cap="none" spc="0" normalizeH="0" baseline="0" dirty="0">
-              <a:ln>
-                <a:noFill/>
-              </a:ln>
-              <a:solidFill>
-                <a:srgbClr val="000000"/>
-              </a:solidFill>
-              <a:effectLst/>
-              <a:uFillTx/>
-              <a:latin typeface="+mn-lt"/>
-              <a:ea typeface="+mn-ea"/>
-              <a:cs typeface="+mn-cs"/>
-              <a:sym typeface="Helvetica Light"/>
-            </a:endParaRPr>
+            <a:endParaRPr lang="zh-TW" altLang="en-US" sz="4800" dirty="0"/>
           </a:p>
         </p:txBody>
       </p:sp>
       <p:pic>
         <p:nvPicPr>
-          <p:cNvPr id="11" name="圖片 10" descr="一張含有 動物, 嘴, 摩托車, 坐 的圖片&#10;&#10;自動產生的描述">
+          <p:cNvPr id="4" name="圖片 3" descr="一張含有 文字, 電子用品 的圖片&#10;&#10;自動產生的描述">
             <a:extLst>
               <a:ext uri="{FF2B5EF4-FFF2-40B4-BE49-F238E27FC236}">
-                <a16:creationId xmlns:a16="http://schemas.microsoft.com/office/drawing/2014/main" id="{5B2643A1-93BA-403D-B7B3-1BA6F7999232}"/>
+                <a16:creationId xmlns:a16="http://schemas.microsoft.com/office/drawing/2014/main" id="{275EE95A-EADF-4804-A1E4-E55882CADD27}"/>
               </a:ext>
             </a:extLst>
           </p:cNvPr>
@@ -3724,7 +3138,7 @@
           <p:nvPr/>
         </p:nvPicPr>
         <p:blipFill>
-          <a:blip r:embed="rId3">
+          <a:blip r:embed="rId3" cstate="print">
             <a:extLst>
               <a:ext uri="{28A0092B-C50C-407E-A947-70E740481C1C}">
                 <a14:useLocalDpi xmlns:a14="http://schemas.microsoft.com/office/drawing/2010/main" val="0"/>
@@ -3737,8 +3151,8 @@
         </p:blipFill>
         <p:spPr>
           <a:xfrm>
-            <a:off x="9845724" y="600613"/>
-            <a:ext cx="4030745" cy="3887092"/>
+            <a:off x="10999308" y="5431307"/>
+            <a:ext cx="4753093" cy="2923451"/>
           </a:xfrm>
           <a:prstGeom prst="rect">
             <a:avLst/>
@@ -3747,10 +3161,10 @@
       </p:pic>
       <p:pic>
         <p:nvPicPr>
-          <p:cNvPr id="18" name="圖片 17">
+          <p:cNvPr id="7" name="圖片 6">
             <a:extLst>
               <a:ext uri="{FF2B5EF4-FFF2-40B4-BE49-F238E27FC236}">
-                <a16:creationId xmlns:a16="http://schemas.microsoft.com/office/drawing/2014/main" id="{58B02D0F-8CDA-4B4E-A04E-48C1A9CDE51A}"/>
+                <a16:creationId xmlns:a16="http://schemas.microsoft.com/office/drawing/2014/main" id="{A181D3D0-35CA-4761-B2B9-1366598D0B49}"/>
               </a:ext>
             </a:extLst>
           </p:cNvPr>
@@ -3760,15 +3174,21 @@
           <p:nvPr/>
         </p:nvPicPr>
         <p:blipFill>
-          <a:blip r:embed="rId4"/>
+          <a:blip r:embed="rId4" cstate="print">
+            <a:extLst>
+              <a:ext uri="{28A0092B-C50C-407E-A947-70E740481C1C}">
+                <a14:useLocalDpi xmlns:a14="http://schemas.microsoft.com/office/drawing/2010/main" val="0"/>
+              </a:ext>
+            </a:extLst>
+          </a:blip>
           <a:stretch>
             <a:fillRect/>
           </a:stretch>
         </p:blipFill>
         <p:spPr>
           <a:xfrm>
-            <a:off x="12763130" y="4088684"/>
-            <a:ext cx="3057641" cy="5159769"/>
+            <a:off x="600252" y="5431306"/>
+            <a:ext cx="4875128" cy="2964111"/>
           </a:xfrm>
           <a:prstGeom prst="rect">
             <a:avLst/>
@@ -3777,10 +3197,10 @@
       </p:pic>
       <p:pic>
         <p:nvPicPr>
-          <p:cNvPr id="19" name="圖片 18">
+          <p:cNvPr id="14" name="圖片 13">
             <a:extLst>
               <a:ext uri="{FF2B5EF4-FFF2-40B4-BE49-F238E27FC236}">
-                <a16:creationId xmlns:a16="http://schemas.microsoft.com/office/drawing/2014/main" id="{F1B205A0-2901-4472-8E06-9F727F0283FD}"/>
+                <a16:creationId xmlns:a16="http://schemas.microsoft.com/office/drawing/2014/main" id="{AE9F2165-AC5C-43A5-A6CC-02E46E2E4DFB}"/>
               </a:ext>
             </a:extLst>
           </p:cNvPr>
@@ -3790,25 +3210,182 @@
           <p:nvPr/>
         </p:nvPicPr>
         <p:blipFill>
-          <a:blip r:embed="rId5"/>
+          <a:blip r:embed="rId5" cstate="print">
+            <a:extLst>
+              <a:ext uri="{28A0092B-C50C-407E-A947-70E740481C1C}">
+                <a14:useLocalDpi xmlns:a14="http://schemas.microsoft.com/office/drawing/2010/main" val="0"/>
+              </a:ext>
+            </a:extLst>
+          </a:blip>
           <a:stretch>
             <a:fillRect/>
           </a:stretch>
         </p:blipFill>
         <p:spPr>
           <a:xfrm>
-            <a:off x="7682789" y="5462780"/>
-            <a:ext cx="4852605" cy="2589020"/>
+            <a:off x="5824128" y="5431306"/>
+            <a:ext cx="4826432" cy="2955535"/>
           </a:xfrm>
           <a:prstGeom prst="rect">
             <a:avLst/>
           </a:prstGeom>
         </p:spPr>
       </p:pic>
+      <p:sp>
+        <p:nvSpPr>
+          <p:cNvPr id="15" name="文字方塊 14">
+            <a:extLst>
+              <a:ext uri="{FF2B5EF4-FFF2-40B4-BE49-F238E27FC236}">
+                <a16:creationId xmlns:a16="http://schemas.microsoft.com/office/drawing/2014/main" id="{D8D819B8-03D6-4EA9-8318-300363AD763A}"/>
+              </a:ext>
+            </a:extLst>
+          </p:cNvPr>
+          <p:cNvSpPr txBox="1"/>
+          <p:nvPr/>
+        </p:nvSpPr>
+        <p:spPr>
+          <a:xfrm>
+            <a:off x="1969617" y="4824602"/>
+            <a:ext cx="2136397" cy="400110"/>
+          </a:xfrm>
+          <a:prstGeom prst="rect">
+            <a:avLst/>
+          </a:prstGeom>
+          <a:noFill/>
+        </p:spPr>
+        <p:txBody>
+          <a:bodyPr wrap="square" rtlCol="0">
+            <a:spAutoFit/>
+          </a:bodyPr>
+          <a:lstStyle/>
+          <a:p>
+            <a:pPr algn="ctr"/>
+            <a:r>
+              <a:rPr lang="zh-TW" altLang="en-US" sz="2000" dirty="0"/>
+              <a:t>遊戲主畫面</a:t>
+            </a:r>
+          </a:p>
+        </p:txBody>
+      </p:sp>
+      <p:sp>
+        <p:nvSpPr>
+          <p:cNvPr id="27" name="文字方塊 26">
+            <a:extLst>
+              <a:ext uri="{FF2B5EF4-FFF2-40B4-BE49-F238E27FC236}">
+                <a16:creationId xmlns:a16="http://schemas.microsoft.com/office/drawing/2014/main" id="{8A7C8718-AA77-4F1F-9B7F-FFDD167EF3F6}"/>
+              </a:ext>
+            </a:extLst>
+          </p:cNvPr>
+          <p:cNvSpPr txBox="1"/>
+          <p:nvPr/>
+        </p:nvSpPr>
+        <p:spPr>
+          <a:xfrm>
+            <a:off x="6522441" y="4824602"/>
+            <a:ext cx="3429807" cy="400110"/>
+          </a:xfrm>
+          <a:prstGeom prst="rect">
+            <a:avLst/>
+          </a:prstGeom>
+          <a:noFill/>
+        </p:spPr>
+        <p:txBody>
+          <a:bodyPr wrap="square" rtlCol="0">
+            <a:spAutoFit/>
+          </a:bodyPr>
+          <a:lstStyle/>
+          <a:p>
+            <a:pPr algn="ctr"/>
+            <a:r>
+              <a:rPr lang="zh-TW" altLang="en-US" sz="2000" dirty="0"/>
+              <a:t>金球得分顯示</a:t>
+            </a:r>
+            <a:r>
+              <a:rPr lang="en-US" altLang="zh-TW" sz="2000" dirty="0"/>
+              <a:t>BIG WIN</a:t>
+            </a:r>
+            <a:endParaRPr lang="zh-TW" altLang="en-US" sz="2000" dirty="0"/>
+          </a:p>
+        </p:txBody>
+      </p:sp>
+      <p:sp>
+        <p:nvSpPr>
+          <p:cNvPr id="28" name="文字方塊 27">
+            <a:extLst>
+              <a:ext uri="{FF2B5EF4-FFF2-40B4-BE49-F238E27FC236}">
+                <a16:creationId xmlns:a16="http://schemas.microsoft.com/office/drawing/2014/main" id="{9F22128A-1438-427C-B4A4-AE2FBEF8864B}"/>
+              </a:ext>
+            </a:extLst>
+          </p:cNvPr>
+          <p:cNvSpPr txBox="1"/>
+          <p:nvPr/>
+        </p:nvSpPr>
+        <p:spPr>
+          <a:xfrm>
+            <a:off x="11660951" y="4824602"/>
+            <a:ext cx="3429807" cy="400110"/>
+          </a:xfrm>
+          <a:prstGeom prst="rect">
+            <a:avLst/>
+          </a:prstGeom>
+          <a:noFill/>
+        </p:spPr>
+        <p:txBody>
+          <a:bodyPr wrap="square" rtlCol="0">
+            <a:spAutoFit/>
+          </a:bodyPr>
+          <a:lstStyle/>
+          <a:p>
+            <a:pPr algn="ctr"/>
+            <a:r>
+              <a:rPr lang="zh-TW" altLang="en-US" sz="2000" dirty="0"/>
+              <a:t>可手動操作球員踢球</a:t>
+            </a:r>
+          </a:p>
+        </p:txBody>
+      </p:sp>
+      <p:sp>
+        <p:nvSpPr>
+          <p:cNvPr id="16" name="文字方塊 15">
+            <a:extLst>
+              <a:ext uri="{FF2B5EF4-FFF2-40B4-BE49-F238E27FC236}">
+                <a16:creationId xmlns:a16="http://schemas.microsoft.com/office/drawing/2014/main" id="{82310755-E359-4967-9340-E717039C0092}"/>
+              </a:ext>
+            </a:extLst>
+          </p:cNvPr>
+          <p:cNvSpPr txBox="1"/>
+          <p:nvPr/>
+        </p:nvSpPr>
+        <p:spPr>
+          <a:xfrm>
+            <a:off x="1432981" y="3791988"/>
+            <a:ext cx="2470955" cy="553998"/>
+          </a:xfrm>
+          <a:prstGeom prst="rect">
+            <a:avLst/>
+          </a:prstGeom>
+          <a:noFill/>
+        </p:spPr>
+        <p:txBody>
+          <a:bodyPr wrap="square" rtlCol="0">
+            <a:spAutoFit/>
+          </a:bodyPr>
+          <a:lstStyle/>
+          <a:p>
+            <a:r>
+              <a:rPr lang="zh-TW" altLang="en-US" sz="3000" dirty="0">
+                <a:hlinkClick r:id="rId6"/>
+              </a:rPr>
+              <a:t>遊戲試玩</a:t>
+            </a:r>
+            <a:endParaRPr lang="zh-TW" altLang="en-US" sz="3000" dirty="0"/>
+          </a:p>
+        </p:txBody>
+      </p:sp>
     </p:spTree>
     <p:extLst>
       <p:ext uri="{BB962C8B-B14F-4D97-AF65-F5344CB8AC3E}">
-        <p14:creationId xmlns:p14="http://schemas.microsoft.com/office/powerpoint/2010/main" val="762228316"/>
+        <p14:creationId xmlns:p14="http://schemas.microsoft.com/office/powerpoint/2010/main" val="1287956864"/>
       </p:ext>
     </p:extLst>
   </p:cSld>
@@ -3819,7 +3396,7 @@
 </p:sld>
 </file>
 
-<file path=ppt/slides/slide4.xml><?xml version="1.0" encoding="utf-8"?>
+<file path=ppt/slides/slide3.xml><?xml version="1.0" encoding="utf-8"?>
 <p:sld xmlns:a="http://schemas.openxmlformats.org/drawingml/2006/main" xmlns:r="http://schemas.openxmlformats.org/officeDocument/2006/relationships" xmlns:p="http://schemas.openxmlformats.org/presentationml/2006/main">
   <p:cSld>
     <p:spTree>
@@ -3941,7 +3518,7 @@
           </a:ln>
           <a:extLst>
             <a:ext uri="{C572A759-6A51-4108-AA02-DFA0A04FC94B}">
-              <ma14:wrappingTextBoxFlag xmlns="" xmlns:ma14="http://schemas.microsoft.com/office/mac/drawingml/2011/main" val="1"/>
+              <ma14:wrappingTextBoxFlag xmlns:ma14="http://schemas.microsoft.com/office/mac/drawingml/2011/main" xmlns="" val="1"/>
             </a:ext>
           </a:extLst>
         </p:spPr>
@@ -6175,6 +5752,31 @@
 </file>
 
 <file path=customXml/item1.xml><?xml version="1.0" encoding="utf-8"?>
+<?mso-contentType ?>
+<FormTemplates xmlns="http://schemas.microsoft.com/sharepoint/v3/contenttype/forms">
+  <Display>DocumentLibraryForm</Display>
+  <Edit>DocumentLibraryForm</Edit>
+  <New>DocumentLibraryForm</New>
+</FormTemplates>
+</file>
+
+<file path=customXml/item2.xml><?xml version="1.0" encoding="utf-8"?>
+<p:properties xmlns:p="http://schemas.microsoft.com/office/2006/metadata/properties" xmlns:xsi="http://www.w3.org/2001/XMLSchema-instance" xmlns:pc="http://schemas.microsoft.com/office/infopath/2007/PartnerControls">
+  <documentManagement>
+    <_x5df2__x5b8c__x6210_ xmlns="b1041939-b1e1-49c8-aa54-573a0c27b5d7" xsi:nil="true"/>
+    <_Flow_SignoffStatus xmlns="b1041939-b1e1-49c8-aa54-573a0c27b5d7" xsi:nil="true"/>
+    <SharedWithUsers xmlns="e7db988b-608c-4ad2-87c3-9fa5d35d4e8e">
+      <UserInfo>
+        <DisplayName/>
+        <AccountId xsi:nil="true"/>
+        <AccountType/>
+      </UserInfo>
+    </SharedWithUsers>
+  </documentManagement>
+</p:properties>
+</file>
+
+<file path=customXml/item3.xml><?xml version="1.0" encoding="utf-8"?>
 <ct:contentTypeSchema xmlns:ct="http://schemas.microsoft.com/office/2006/metadata/contentType" xmlns:ma="http://schemas.microsoft.com/office/2006/metadata/properties/metaAttributes" ct:_="" ma:_="" ma:contentTypeName="文件" ma:contentTypeID="0x01010074773FF947E04446B1727DCA3306544F" ma:contentTypeVersion="12" ma:contentTypeDescription="建立新的文件。" ma:contentTypeScope="" ma:versionID="2ca32ab07ee7a9cc5b118cff8db3ef7d">
   <xsd:schema xmlns:xsd="http://www.w3.org/2001/XMLSchema" xmlns:xs="http://www.w3.org/2001/XMLSchema" xmlns:p="http://schemas.microsoft.com/office/2006/metadata/properties" xmlns:ns2="b1041939-b1e1-49c8-aa54-573a0c27b5d7" xmlns:ns3="e7db988b-608c-4ad2-87c3-9fa5d35d4e8e" targetNamespace="http://schemas.microsoft.com/office/2006/metadata/properties" ma:root="true" ma:fieldsID="9f7a5bb26f70cea3fb07da62dec464bb" ns2:_="" ns3:_="">
     <xsd:import namespace="b1041939-b1e1-49c8-aa54-573a0c27b5d7"/>
@@ -6391,32 +5993,26 @@
 </ct:contentTypeSchema>
 </file>
 
-<file path=customXml/item2.xml><?xml version="1.0" encoding="utf-8"?>
-<p:properties xmlns:p="http://schemas.microsoft.com/office/2006/metadata/properties" xmlns:xsi="http://www.w3.org/2001/XMLSchema-instance" xmlns:pc="http://schemas.microsoft.com/office/infopath/2007/PartnerControls">
-  <documentManagement>
-    <_x5df2__x5b8c__x6210_ xmlns="b1041939-b1e1-49c8-aa54-573a0c27b5d7" xsi:nil="true"/>
-    <_Flow_SignoffStatus xmlns="b1041939-b1e1-49c8-aa54-573a0c27b5d7" xsi:nil="true"/>
-    <SharedWithUsers xmlns="e7db988b-608c-4ad2-87c3-9fa5d35d4e8e">
-      <UserInfo>
-        <DisplayName/>
-        <AccountId xsi:nil="true"/>
-        <AccountType/>
-      </UserInfo>
-    </SharedWithUsers>
-  </documentManagement>
-</p:properties>
+<file path=customXml/itemProps1.xml><?xml version="1.0" encoding="utf-8"?>
+<ds:datastoreItem xmlns:ds="http://schemas.openxmlformats.org/officeDocument/2006/customXml" ds:itemID="{86CEEECC-4091-405B-A306-519085E22CC4}">
+  <ds:schemaRefs>
+    <ds:schemaRef ds:uri="http://schemas.microsoft.com/sharepoint/v3/contenttype/forms"/>
+  </ds:schemaRefs>
+</ds:datastoreItem>
 </file>
 
-<file path=customXml/item3.xml><?xml version="1.0" encoding="utf-8"?>
-<?mso-contentType ?>
-<FormTemplates xmlns="http://schemas.microsoft.com/sharepoint/v3/contenttype/forms">
-  <Display>DocumentLibraryForm</Display>
-  <Edit>DocumentLibraryForm</Edit>
-  <New>DocumentLibraryForm</New>
-</FormTemplates>
+<file path=customXml/itemProps2.xml><?xml version="1.0" encoding="utf-8"?>
+<ds:datastoreItem xmlns:ds="http://schemas.openxmlformats.org/officeDocument/2006/customXml" ds:itemID="{C2FD5F3F-10B5-4DC5-BF45-409DCC7BB357}">
+  <ds:schemaRefs>
+    <ds:schemaRef ds:uri="http://schemas.microsoft.com/office/2006/metadata/properties"/>
+    <ds:schemaRef ds:uri="http://schemas.microsoft.com/office/infopath/2007/PartnerControls"/>
+    <ds:schemaRef ds:uri="b1041939-b1e1-49c8-aa54-573a0c27b5d7"/>
+    <ds:schemaRef ds:uri="e7db988b-608c-4ad2-87c3-9fa5d35d4e8e"/>
+  </ds:schemaRefs>
+</ds:datastoreItem>
 </file>
 
-<file path=customXml/itemProps1.xml><?xml version="1.0" encoding="utf-8"?>
+<file path=customXml/itemProps3.xml><?xml version="1.0" encoding="utf-8"?>
 <ds:datastoreItem xmlns:ds="http://schemas.openxmlformats.org/officeDocument/2006/customXml" ds:itemID="{24CCB438-A5AC-4194-A067-CA82C03D5936}">
   <ds:schemaRefs>
     <ds:schemaRef ds:uri="http://schemas.microsoft.com/office/2006/metadata/contentType"/>
@@ -6433,23 +6029,4 @@
     <ds:schemaRef ds:uri="http://schemas.microsoft.com/internal/obd"/>
   </ds:schemaRefs>
 </ds:datastoreItem>
-</file>
-
-<file path=customXml/itemProps2.xml><?xml version="1.0" encoding="utf-8"?>
-<ds:datastoreItem xmlns:ds="http://schemas.openxmlformats.org/officeDocument/2006/customXml" ds:itemID="{C2FD5F3F-10B5-4DC5-BF45-409DCC7BB357}">
-  <ds:schemaRefs>
-    <ds:schemaRef ds:uri="http://schemas.microsoft.com/office/2006/metadata/properties"/>
-    <ds:schemaRef ds:uri="http://schemas.microsoft.com/office/infopath/2007/PartnerControls"/>
-    <ds:schemaRef ds:uri="b1041939-b1e1-49c8-aa54-573a0c27b5d7"/>
-    <ds:schemaRef ds:uri="e7db988b-608c-4ad2-87c3-9fa5d35d4e8e"/>
-  </ds:schemaRefs>
-</ds:datastoreItem>
-</file>
-
-<file path=customXml/itemProps3.xml><?xml version="1.0" encoding="utf-8"?>
-<ds:datastoreItem xmlns:ds="http://schemas.openxmlformats.org/officeDocument/2006/customXml" ds:itemID="{86CEEECC-4091-405B-A306-519085E22CC4}">
-  <ds:schemaRefs>
-    <ds:schemaRef ds:uri="http://schemas.microsoft.com/sharepoint/v3/contenttype/forms"/>
-  </ds:schemaRefs>
-</ds:datastoreItem>
 </file>